--- a/report SVM handcrafted and PCA/AUTHENTICATION AE5(deep).pptx
+++ b/report SVM handcrafted and PCA/AUTHENTICATION AE5(deep).pptx
@@ -256,7 +256,7 @@
           <a:p>
             <a:fld id="{553A844F-FF5C-934C-B225-48B8FD889570}" type="datetimeFigureOut">
               <a:rPr lang="en-US" smtClean="0"/>
-              <a:t>10/30/2017</a:t>
+              <a:t>11/2/2017</a:t>
             </a:fld>
             <a:endParaRPr lang="en-US"/>
           </a:p>
@@ -426,7 +426,7 @@
           <a:p>
             <a:fld id="{553A844F-FF5C-934C-B225-48B8FD889570}" type="datetimeFigureOut">
               <a:rPr lang="en-US" smtClean="0"/>
-              <a:t>10/30/2017</a:t>
+              <a:t>11/2/2017</a:t>
             </a:fld>
             <a:endParaRPr lang="en-US"/>
           </a:p>
@@ -606,7 +606,7 @@
           <a:p>
             <a:fld id="{553A844F-FF5C-934C-B225-48B8FD889570}" type="datetimeFigureOut">
               <a:rPr lang="en-US" smtClean="0"/>
-              <a:t>10/30/2017</a:t>
+              <a:t>11/2/2017</a:t>
             </a:fld>
             <a:endParaRPr lang="en-US"/>
           </a:p>
@@ -776,7 +776,7 @@
           <a:p>
             <a:fld id="{553A844F-FF5C-934C-B225-48B8FD889570}" type="datetimeFigureOut">
               <a:rPr lang="en-US" smtClean="0"/>
-              <a:t>10/30/2017</a:t>
+              <a:t>11/2/2017</a:t>
             </a:fld>
             <a:endParaRPr lang="en-US"/>
           </a:p>
@@ -1022,7 +1022,7 @@
           <a:p>
             <a:fld id="{553A844F-FF5C-934C-B225-48B8FD889570}" type="datetimeFigureOut">
               <a:rPr lang="en-US" smtClean="0"/>
-              <a:t>10/30/2017</a:t>
+              <a:t>11/2/2017</a:t>
             </a:fld>
             <a:endParaRPr lang="en-US"/>
           </a:p>
@@ -1254,7 +1254,7 @@
           <a:p>
             <a:fld id="{553A844F-FF5C-934C-B225-48B8FD889570}" type="datetimeFigureOut">
               <a:rPr lang="en-US" smtClean="0"/>
-              <a:t>10/30/2017</a:t>
+              <a:t>11/2/2017</a:t>
             </a:fld>
             <a:endParaRPr lang="en-US"/>
           </a:p>
@@ -1621,7 +1621,7 @@
           <a:p>
             <a:fld id="{553A844F-FF5C-934C-B225-48B8FD889570}" type="datetimeFigureOut">
               <a:rPr lang="en-US" smtClean="0"/>
-              <a:t>10/30/2017</a:t>
+              <a:t>11/2/2017</a:t>
             </a:fld>
             <a:endParaRPr lang="en-US"/>
           </a:p>
@@ -1739,7 +1739,7 @@
           <a:p>
             <a:fld id="{553A844F-FF5C-934C-B225-48B8FD889570}" type="datetimeFigureOut">
               <a:rPr lang="en-US" smtClean="0"/>
-              <a:t>10/30/2017</a:t>
+              <a:t>11/2/2017</a:t>
             </a:fld>
             <a:endParaRPr lang="en-US"/>
           </a:p>
@@ -1834,7 +1834,7 @@
           <a:p>
             <a:fld id="{553A844F-FF5C-934C-B225-48B8FD889570}" type="datetimeFigureOut">
               <a:rPr lang="en-US" smtClean="0"/>
-              <a:t>10/30/2017</a:t>
+              <a:t>11/2/2017</a:t>
             </a:fld>
             <a:endParaRPr lang="en-US"/>
           </a:p>
@@ -2111,7 +2111,7 @@
           <a:p>
             <a:fld id="{553A844F-FF5C-934C-B225-48B8FD889570}" type="datetimeFigureOut">
               <a:rPr lang="en-US" smtClean="0"/>
-              <a:t>10/30/2017</a:t>
+              <a:t>11/2/2017</a:t>
             </a:fld>
             <a:endParaRPr lang="en-US"/>
           </a:p>
@@ -2364,7 +2364,7 @@
           <a:p>
             <a:fld id="{553A844F-FF5C-934C-B225-48B8FD889570}" type="datetimeFigureOut">
               <a:rPr lang="en-US" smtClean="0"/>
-              <a:t>10/30/2017</a:t>
+              <a:t>11/2/2017</a:t>
             </a:fld>
             <a:endParaRPr lang="en-US"/>
           </a:p>
@@ -2577,7 +2577,7 @@
           <a:p>
             <a:fld id="{553A844F-FF5C-934C-B225-48B8FD889570}" type="datetimeFigureOut">
               <a:rPr lang="en-US" smtClean="0"/>
-              <a:t>10/30/2017</a:t>
+              <a:t>11/2/2017</a:t>
             </a:fld>
             <a:endParaRPr lang="en-US"/>
           </a:p>
@@ -3042,7 +3042,6 @@
               <a:rPr lang="en-US" dirty="0" smtClean="0"/>
               <a:t>(5 AE, 2 hidden layers (n-2n-n-2n-n))</a:t>
             </a:r>
-            <a:endParaRPr lang="en-US" dirty="0" smtClean="0"/>
           </a:p>
           <a:p>
             <a:endParaRPr lang="en-US" dirty="0"/>
@@ -3095,7 +3094,7 @@
           <p:nvPr>
             <p:extLst>
               <p:ext uri="{D42A27DB-BD31-4B8C-83A1-F6EECF244321}">
-                <p14:modId xmlns:p14="http://schemas.microsoft.com/office/powerpoint/2010/main" val="2210768518"/>
+                <p14:modId xmlns:p14="http://schemas.microsoft.com/office/powerpoint/2010/main" val="1294758261"/>
               </p:ext>
             </p:extLst>
           </p:nvPr>
@@ -3312,7 +3311,6 @@
                         <a:rPr lang="en-US" dirty="0" smtClean="0"/>
                         <a:t>FAR: 0.20609</a:t>
                       </a:r>
-                      <a:endParaRPr lang="en-US" dirty="0" smtClean="0"/>
                     </a:p>
                   </a:txBody>
                   <a:tcPr/>
@@ -3384,15 +3382,14 @@
                     <a:p>
                       <a:r>
                         <a:rPr lang="en-US" dirty="0" smtClean="0"/>
-                        <a:t>FRR: 0.13386</a:t>
-                      </a:r>
-                    </a:p>
-                    <a:p>
-                      <a:r>
-                        <a:rPr lang="en-US" dirty="0" smtClean="0"/>
-                        <a:t>FAR: 0.50009</a:t>
-                      </a:r>
-                      <a:endParaRPr lang="en-US" dirty="0"/>
+                        <a:t>FRR: 0.14783</a:t>
+                      </a:r>
+                    </a:p>
+                    <a:p>
+                      <a:r>
+                        <a:rPr lang="en-US" dirty="0" smtClean="0"/>
+                        <a:t>FAR: 0.22542</a:t>
+                      </a:r>
                     </a:p>
                   </a:txBody>
                   <a:tcPr/>
@@ -3509,13 +3506,13 @@
                     <a:p>
                       <a:r>
                         <a:rPr lang="en-US" dirty="0" smtClean="0"/>
-                        <a:t>FRR: 0.14286</a:t>
-                      </a:r>
-                    </a:p>
-                    <a:p>
-                      <a:r>
-                        <a:rPr lang="en-US" dirty="0" smtClean="0"/>
-                        <a:t>FAR: 0.54538</a:t>
+                        <a:t>FRR: 0.15126</a:t>
+                      </a:r>
+                    </a:p>
+                    <a:p>
+                      <a:r>
+                        <a:rPr lang="en-US" dirty="0" smtClean="0"/>
+                        <a:t>FAR: 0.26887</a:t>
                       </a:r>
                       <a:endParaRPr lang="en-US" dirty="0"/>
                     </a:p>
@@ -3634,13 +3631,13 @@
                     <a:p>
                       <a:r>
                         <a:rPr lang="en-US" dirty="0" smtClean="0"/>
-                        <a:t>FRR: 0.10723</a:t>
-                      </a:r>
-                    </a:p>
-                    <a:p>
-                      <a:r>
-                        <a:rPr lang="en-US" dirty="0" smtClean="0"/>
-                        <a:t>FAR: 0.51454</a:t>
+                        <a:t>FRR: 0.13808</a:t>
+                      </a:r>
+                    </a:p>
+                    <a:p>
+                      <a:r>
+                        <a:rPr lang="en-US" dirty="0" smtClean="0"/>
+                        <a:t>FAR: 0.29475</a:t>
                       </a:r>
                       <a:endParaRPr lang="en-US" dirty="0"/>
                     </a:p>
@@ -3759,13 +3756,13 @@
                     <a:p>
                       <a:r>
                         <a:rPr lang="en-US" dirty="0" smtClean="0"/>
-                        <a:t>FRR: 0.11707</a:t>
-                      </a:r>
-                    </a:p>
-                    <a:p>
-                      <a:r>
-                        <a:rPr lang="en-US" dirty="0" smtClean="0"/>
-                        <a:t>FAR: 0.50658</a:t>
+                        <a:t>FRR: 0.12288</a:t>
+                      </a:r>
+                    </a:p>
+                    <a:p>
+                      <a:r>
+                        <a:rPr lang="en-US" dirty="0" smtClean="0"/>
+                        <a:t>FAR: 0.24311</a:t>
                       </a:r>
                       <a:endParaRPr lang="en-US" dirty="0"/>
                     </a:p>
@@ -3884,13 +3881,13 @@
                     <a:p>
                       <a:r>
                         <a:rPr lang="en-US" dirty="0" smtClean="0"/>
-                        <a:t>FRR: 0.13296</a:t>
-                      </a:r>
-                    </a:p>
-                    <a:p>
-                      <a:r>
-                        <a:rPr lang="en-US" dirty="0" smtClean="0"/>
-                        <a:t>FAR: 0.51273</a:t>
+                        <a:t>FRR: 0.10762</a:t>
+                      </a:r>
+                    </a:p>
+                    <a:p>
+                      <a:r>
+                        <a:rPr lang="en-US" dirty="0" smtClean="0"/>
+                        <a:t>FAR: 0.28235</a:t>
                       </a:r>
                       <a:endParaRPr lang="en-US" dirty="0"/>
                     </a:p>
@@ -4023,13 +4020,13 @@
                     <a:p>
                       <a:r>
                         <a:rPr lang="en-US" dirty="0" smtClean="0"/>
-                        <a:t>FRR: 0.23230</a:t>
-                      </a:r>
-                    </a:p>
-                    <a:p>
-                      <a:r>
-                        <a:rPr lang="en-US" dirty="0" smtClean="0"/>
-                        <a:t>FAR: 0.54780</a:t>
+                        <a:t>FRR: 0.11336</a:t>
+                      </a:r>
+                    </a:p>
+                    <a:p>
+                      <a:r>
+                        <a:rPr lang="en-US" dirty="0" smtClean="0"/>
+                        <a:t>FAR: 0.30798</a:t>
                       </a:r>
                       <a:endParaRPr lang="en-US" dirty="0"/>
                     </a:p>
@@ -4154,13 +4151,13 @@
                     <a:p>
                       <a:r>
                         <a:rPr lang="en-US" dirty="0" smtClean="0"/>
-                        <a:t>FRR: 0.14438</a:t>
-                      </a:r>
-                    </a:p>
-                    <a:p>
-                      <a:r>
-                        <a:rPr lang="en-US" dirty="0" smtClean="0"/>
-                        <a:t>FAR: 0.52119</a:t>
+                        <a:t>FRR: 0.13017</a:t>
+                      </a:r>
+                    </a:p>
+                    <a:p>
+                      <a:r>
+                        <a:rPr lang="en-US" dirty="0" smtClean="0"/>
+                        <a:t>FAR: 0.27041</a:t>
                       </a:r>
                       <a:endParaRPr lang="en-US" dirty="0"/>
                     </a:p>
@@ -4290,11 +4287,7 @@
             </a:r>
             <a:r>
               <a:rPr lang="en-US" dirty="0"/>
-              <a:t>SVMs </a:t>
-            </a:r>
-            <a:r>
-              <a:rPr lang="en-US" dirty="0"/>
-              <a:t>(5 </a:t>
+              <a:t>SVMs (5 </a:t>
             </a:r>
             <a:r>
               <a:rPr lang="en-US" dirty="0" smtClean="0"/>
@@ -4312,7 +4305,6 @@
               <a:rPr lang="en-US" dirty="0"/>
               <a:t>2 hidden layers)</a:t>
             </a:r>
-            <a:endParaRPr lang="en-US" dirty="0"/>
           </a:p>
           <a:p>
             <a:endParaRPr lang="en-US" dirty="0"/>
@@ -4328,7 +4320,7 @@
           <p:nvPr>
             <p:extLst>
               <p:ext uri="{D42A27DB-BD31-4B8C-83A1-F6EECF244321}">
-                <p14:modId xmlns:p14="http://schemas.microsoft.com/office/powerpoint/2010/main" val="4051615175"/>
+                <p14:modId xmlns:p14="http://schemas.microsoft.com/office/powerpoint/2010/main" val="1401146481"/>
               </p:ext>
             </p:extLst>
           </p:nvPr>
@@ -4617,15 +4609,14 @@
                     <a:p>
                       <a:r>
                         <a:rPr lang="en-US" dirty="0" smtClean="0"/>
-                        <a:t>FRR: 0.09711</a:t>
-                      </a:r>
-                    </a:p>
-                    <a:p>
-                      <a:r>
-                        <a:rPr lang="en-US" dirty="0" smtClean="0"/>
-                        <a:t>FAR: 0.47671</a:t>
-                      </a:r>
-                      <a:endParaRPr lang="en-US" dirty="0"/>
+                        <a:t>FRR: 0.15217</a:t>
+                      </a:r>
+                    </a:p>
+                    <a:p>
+                      <a:r>
+                        <a:rPr lang="en-US" dirty="0" smtClean="0"/>
+                        <a:t>FAR: 0.25588</a:t>
+                      </a:r>
                     </a:p>
                   </a:txBody>
                   <a:tcPr/>
@@ -4742,13 +4733,13 @@
                     <a:p>
                       <a:r>
                         <a:rPr lang="en-US" dirty="0" smtClean="0"/>
-                        <a:t>FRR: 0.15899</a:t>
-                      </a:r>
-                    </a:p>
-                    <a:p>
-                      <a:r>
-                        <a:rPr lang="en-US" dirty="0" smtClean="0"/>
-                        <a:t>FAR: 0.48965</a:t>
+                        <a:t>FRR: 0.08403</a:t>
+                      </a:r>
+                    </a:p>
+                    <a:p>
+                      <a:r>
+                        <a:rPr lang="en-US" dirty="0" smtClean="0"/>
+                        <a:t>FAR: 0.29818</a:t>
                       </a:r>
                       <a:endParaRPr lang="en-US" dirty="0"/>
                     </a:p>
@@ -4867,13 +4858,13 @@
                     <a:p>
                       <a:r>
                         <a:rPr lang="en-US" dirty="0" smtClean="0"/>
-                        <a:t>FRR: 0.21945</a:t>
-                      </a:r>
-                    </a:p>
-                    <a:p>
-                      <a:r>
-                        <a:rPr lang="en-US" dirty="0" smtClean="0"/>
-                        <a:t>FAR: 0.52069</a:t>
+                        <a:t>FRR: 0.13389</a:t>
+                      </a:r>
+                    </a:p>
+                    <a:p>
+                      <a:r>
+                        <a:rPr lang="en-US" dirty="0" smtClean="0"/>
+                        <a:t>FAR: 0.28213</a:t>
                       </a:r>
                       <a:endParaRPr lang="en-US" dirty="0"/>
                     </a:p>
@@ -4992,15 +4983,14 @@
                     <a:p>
                       <a:r>
                         <a:rPr lang="en-US" dirty="0" smtClean="0"/>
-                        <a:t>FRR: 0.12683</a:t>
-                      </a:r>
-                    </a:p>
-                    <a:p>
-                      <a:r>
-                        <a:rPr lang="en-US" dirty="0" smtClean="0"/>
-                        <a:t>FAR: 0.50320</a:t>
-                      </a:r>
-                      <a:endParaRPr lang="en-US" dirty="0"/>
+                        <a:t>FRR: 0.11864</a:t>
+                      </a:r>
+                    </a:p>
+                    <a:p>
+                      <a:r>
+                        <a:rPr lang="en-US" dirty="0" smtClean="0"/>
+                        <a:t>FAR: 0.19292</a:t>
+                      </a:r>
                     </a:p>
                   </a:txBody>
                   <a:tcPr/>
@@ -5085,7 +5075,6 @@
                         <a:rPr lang="en-US" dirty="0" smtClean="0"/>
                         <a:t>FAR: 0.02319</a:t>
                       </a:r>
-                      <a:endParaRPr lang="en-US" dirty="0" smtClean="0"/>
                     </a:p>
                   </a:txBody>
                   <a:tcPr/>
@@ -5117,13 +5106,13 @@
                     <a:p>
                       <a:r>
                         <a:rPr lang="en-US" dirty="0" smtClean="0"/>
-                        <a:t>FRR: 0.11634</a:t>
-                      </a:r>
-                    </a:p>
-                    <a:p>
-                      <a:r>
-                        <a:rPr lang="en-US" dirty="0" smtClean="0"/>
-                        <a:t>FAR: 0.46429</a:t>
+                        <a:t>FRR: 0.11659</a:t>
+                      </a:r>
+                    </a:p>
+                    <a:p>
+                      <a:r>
+                        <a:rPr lang="en-US" dirty="0" smtClean="0"/>
+                        <a:t>FAR: 0.22968</a:t>
                       </a:r>
                       <a:endParaRPr lang="en-US" dirty="0"/>
                     </a:p>
@@ -5256,13 +5245,13 @@
                     <a:p>
                       <a:r>
                         <a:rPr lang="en-US" dirty="0" smtClean="0"/>
-                        <a:t>FRR: 0.10398</a:t>
-                      </a:r>
-                    </a:p>
-                    <a:p>
-                      <a:r>
-                        <a:rPr lang="en-US" dirty="0" smtClean="0"/>
-                        <a:t>FAR: 0.52756</a:t>
+                        <a:t>FRR: 0.11741</a:t>
+                      </a:r>
+                    </a:p>
+                    <a:p>
+                      <a:r>
+                        <a:rPr lang="en-US" dirty="0" smtClean="0"/>
+                        <a:t>FAR: 0.21425</a:t>
                       </a:r>
                       <a:endParaRPr lang="en-US" dirty="0"/>
                     </a:p>
@@ -5355,7 +5344,6 @@
                         <a:rPr lang="en-US" dirty="0" smtClean="0"/>
                         <a:t>FAR: 0.04011</a:t>
                       </a:r>
-                      <a:endParaRPr lang="en-US" dirty="0" smtClean="0"/>
                     </a:p>
                   </a:txBody>
                   <a:tcPr/>
@@ -5387,13 +5375,13 @@
                     <a:p>
                       <a:r>
                         <a:rPr lang="en-US" dirty="0" smtClean="0"/>
-                        <a:t>FRR: 0.13712</a:t>
-                      </a:r>
-                    </a:p>
-                    <a:p>
-                      <a:r>
-                        <a:rPr lang="en-US" dirty="0" smtClean="0"/>
-                        <a:t>FAR: 0.49702</a:t>
+                        <a:t>FRR: 0.12046</a:t>
+                      </a:r>
+                    </a:p>
+                    <a:p>
+                      <a:r>
+                        <a:rPr lang="en-US" smtClean="0"/>
+                        <a:t>FAR: 0.24551</a:t>
                       </a:r>
                       <a:endParaRPr lang="en-US" dirty="0"/>
                     </a:p>

--- a/report SVM handcrafted and PCA/AUTHENTICATION AE5(deep).pptx
+++ b/report SVM handcrafted and PCA/AUTHENTICATION AE5(deep).pptx
@@ -256,7 +256,7 @@
           <a:p>
             <a:fld id="{553A844F-FF5C-934C-B225-48B8FD889570}" type="datetimeFigureOut">
               <a:rPr lang="en-US" smtClean="0"/>
-              <a:t>11/2/2017</a:t>
+              <a:t>1/30/2018</a:t>
             </a:fld>
             <a:endParaRPr lang="en-US"/>
           </a:p>
@@ -426,7 +426,7 @@
           <a:p>
             <a:fld id="{553A844F-FF5C-934C-B225-48B8FD889570}" type="datetimeFigureOut">
               <a:rPr lang="en-US" smtClean="0"/>
-              <a:t>11/2/2017</a:t>
+              <a:t>1/30/2018</a:t>
             </a:fld>
             <a:endParaRPr lang="en-US"/>
           </a:p>
@@ -606,7 +606,7 @@
           <a:p>
             <a:fld id="{553A844F-FF5C-934C-B225-48B8FD889570}" type="datetimeFigureOut">
               <a:rPr lang="en-US" smtClean="0"/>
-              <a:t>11/2/2017</a:t>
+              <a:t>1/30/2018</a:t>
             </a:fld>
             <a:endParaRPr lang="en-US"/>
           </a:p>
@@ -776,7 +776,7 @@
           <a:p>
             <a:fld id="{553A844F-FF5C-934C-B225-48B8FD889570}" type="datetimeFigureOut">
               <a:rPr lang="en-US" smtClean="0"/>
-              <a:t>11/2/2017</a:t>
+              <a:t>1/30/2018</a:t>
             </a:fld>
             <a:endParaRPr lang="en-US"/>
           </a:p>
@@ -1022,7 +1022,7 @@
           <a:p>
             <a:fld id="{553A844F-FF5C-934C-B225-48B8FD889570}" type="datetimeFigureOut">
               <a:rPr lang="en-US" smtClean="0"/>
-              <a:t>11/2/2017</a:t>
+              <a:t>1/30/2018</a:t>
             </a:fld>
             <a:endParaRPr lang="en-US"/>
           </a:p>
@@ -1254,7 +1254,7 @@
           <a:p>
             <a:fld id="{553A844F-FF5C-934C-B225-48B8FD889570}" type="datetimeFigureOut">
               <a:rPr lang="en-US" smtClean="0"/>
-              <a:t>11/2/2017</a:t>
+              <a:t>1/30/2018</a:t>
             </a:fld>
             <a:endParaRPr lang="en-US"/>
           </a:p>
@@ -1621,7 +1621,7 @@
           <a:p>
             <a:fld id="{553A844F-FF5C-934C-B225-48B8FD889570}" type="datetimeFigureOut">
               <a:rPr lang="en-US" smtClean="0"/>
-              <a:t>11/2/2017</a:t>
+              <a:t>1/30/2018</a:t>
             </a:fld>
             <a:endParaRPr lang="en-US"/>
           </a:p>
@@ -1739,7 +1739,7 @@
           <a:p>
             <a:fld id="{553A844F-FF5C-934C-B225-48B8FD889570}" type="datetimeFigureOut">
               <a:rPr lang="en-US" smtClean="0"/>
-              <a:t>11/2/2017</a:t>
+              <a:t>1/30/2018</a:t>
             </a:fld>
             <a:endParaRPr lang="en-US"/>
           </a:p>
@@ -1834,7 +1834,7 @@
           <a:p>
             <a:fld id="{553A844F-FF5C-934C-B225-48B8FD889570}" type="datetimeFigureOut">
               <a:rPr lang="en-US" smtClean="0"/>
-              <a:t>11/2/2017</a:t>
+              <a:t>1/30/2018</a:t>
             </a:fld>
             <a:endParaRPr lang="en-US"/>
           </a:p>
@@ -2111,7 +2111,7 @@
           <a:p>
             <a:fld id="{553A844F-FF5C-934C-B225-48B8FD889570}" type="datetimeFigureOut">
               <a:rPr lang="en-US" smtClean="0"/>
-              <a:t>11/2/2017</a:t>
+              <a:t>1/30/2018</a:t>
             </a:fld>
             <a:endParaRPr lang="en-US"/>
           </a:p>
@@ -2364,7 +2364,7 @@
           <a:p>
             <a:fld id="{553A844F-FF5C-934C-B225-48B8FD889570}" type="datetimeFigureOut">
               <a:rPr lang="en-US" smtClean="0"/>
-              <a:t>11/2/2017</a:t>
+              <a:t>1/30/2018</a:t>
             </a:fld>
             <a:endParaRPr lang="en-US"/>
           </a:p>
@@ -2577,7 +2577,7 @@
           <a:p>
             <a:fld id="{553A844F-FF5C-934C-B225-48B8FD889570}" type="datetimeFigureOut">
               <a:rPr lang="en-US" smtClean="0"/>
-              <a:t>11/2/2017</a:t>
+              <a:t>1/30/2018</a:t>
             </a:fld>
             <a:endParaRPr lang="en-US"/>
           </a:p>
@@ -3094,7 +3094,7 @@
           <p:nvPr>
             <p:extLst>
               <p:ext uri="{D42A27DB-BD31-4B8C-83A1-F6EECF244321}">
-                <p14:modId xmlns:p14="http://schemas.microsoft.com/office/powerpoint/2010/main" val="1294758261"/>
+                <p14:modId xmlns:p14="http://schemas.microsoft.com/office/powerpoint/2010/main" val="838605111"/>
               </p:ext>
             </p:extLst>
           </p:nvPr>
@@ -3110,45 +3110,52 @@
                 <a:tableStyleId>{5C22544A-7EE6-4342-B048-85BDC9FD1C3A}</a:tableStyleId>
               </a:tblPr>
               <a:tblGrid>
-                <a:gridCol w="2631776">
+                <a:gridCol w="2277534">
                   <a:extLst>
                     <a:ext uri="{9D8B030D-6E8A-4147-A177-3AD203B41FA5}">
                       <a16:colId xmlns:a16="http://schemas.microsoft.com/office/drawing/2014/main" val="20000"/>
                     </a:ext>
                   </a:extLst>
                 </a:gridCol>
-                <a:gridCol w="1680247">
+                <a:gridCol w="1454083">
                   <a:extLst>
                     <a:ext uri="{9D8B030D-6E8A-4147-A177-3AD203B41FA5}">
                       <a16:colId xmlns:a16="http://schemas.microsoft.com/office/drawing/2014/main" val="20001"/>
                     </a:ext>
                   </a:extLst>
                 </a:gridCol>
-                <a:gridCol w="1685365">
+                <a:gridCol w="1458512">
                   <a:extLst>
                     <a:ext uri="{9D8B030D-6E8A-4147-A177-3AD203B41FA5}">
                       <a16:colId xmlns:a16="http://schemas.microsoft.com/office/drawing/2014/main" val="20002"/>
                     </a:ext>
                   </a:extLst>
                 </a:gridCol>
-                <a:gridCol w="1748118">
+                <a:gridCol w="1512818">
                   <a:extLst>
                     <a:ext uri="{9D8B030D-6E8A-4147-A177-3AD203B41FA5}">
                       <a16:colId xmlns:a16="http://schemas.microsoft.com/office/drawing/2014/main" val="20003"/>
                     </a:ext>
                   </a:extLst>
                 </a:gridCol>
-                <a:gridCol w="1550894">
+                <a:gridCol w="1525559">
                   <a:extLst>
                     <a:ext uri="{9D8B030D-6E8A-4147-A177-3AD203B41FA5}">
                       <a16:colId xmlns:a16="http://schemas.microsoft.com/office/drawing/2014/main" val="20004"/>
                     </a:ext>
                   </a:extLst>
                 </a:gridCol>
-                <a:gridCol w="1712258">
+                <a:gridCol w="1661532">
                   <a:extLst>
                     <a:ext uri="{9D8B030D-6E8A-4147-A177-3AD203B41FA5}">
                       <a16:colId xmlns:a16="http://schemas.microsoft.com/office/drawing/2014/main" val="20005"/>
+                    </a:ext>
+                  </a:extLst>
+                </a:gridCol>
+                <a:gridCol w="1118620">
+                  <a:extLst>
+                    <a:ext uri="{9D8B030D-6E8A-4147-A177-3AD203B41FA5}">
+                      <a16:colId xmlns:a16="http://schemas.microsoft.com/office/drawing/2014/main" val="2634883176"/>
                     </a:ext>
                   </a:extLst>
                 </a:gridCol>
@@ -3271,6 +3278,18 @@
                   </a:txBody>
                   <a:tcPr/>
                 </a:tc>
+                <a:tc>
+                  <a:txBody>
+                    <a:bodyPr/>
+                    <a:lstStyle/>
+                    <a:p>
+                      <a:endParaRPr lang="en-US" dirty="0">
+                        <a:latin typeface="+mn-lt"/>
+                      </a:endParaRPr>
+                    </a:p>
+                  </a:txBody>
+                  <a:tcPr/>
+                </a:tc>
                 <a:extLst>
                   <a:ext uri="{0D108BD9-81ED-4DB2-BD59-A6C34878D82A}">
                     <a16:rowId xmlns:a16="http://schemas.microsoft.com/office/drawing/2014/main" val="10000"/>
@@ -3394,6 +3413,19 @@
                   </a:txBody>
                   <a:tcPr/>
                 </a:tc>
+                <a:tc>
+                  <a:txBody>
+                    <a:bodyPr/>
+                    <a:lstStyle/>
+                    <a:p>
+                      <a:r>
+                        <a:rPr lang="en-US" dirty="0" smtClean="0"/>
+                        <a:t>0,38</a:t>
+                      </a:r>
+                    </a:p>
+                  </a:txBody>
+                  <a:tcPr/>
+                </a:tc>
                 <a:extLst>
                   <a:ext uri="{0D108BD9-81ED-4DB2-BD59-A6C34878D82A}">
                     <a16:rowId xmlns:a16="http://schemas.microsoft.com/office/drawing/2014/main" val="10001"/>
@@ -3519,6 +3551,19 @@
                   </a:txBody>
                   <a:tcPr/>
                 </a:tc>
+                <a:tc>
+                  <a:txBody>
+                    <a:bodyPr/>
+                    <a:lstStyle/>
+                    <a:p>
+                      <a:r>
+                        <a:rPr lang="en-US" dirty="0" smtClean="0"/>
+                        <a:t>0,33</a:t>
+                      </a:r>
+                    </a:p>
+                  </a:txBody>
+                  <a:tcPr/>
+                </a:tc>
                 <a:extLst>
                   <a:ext uri="{0D108BD9-81ED-4DB2-BD59-A6C34878D82A}">
                     <a16:rowId xmlns:a16="http://schemas.microsoft.com/office/drawing/2014/main" val="10002"/>
@@ -3644,6 +3689,19 @@
                   </a:txBody>
                   <a:tcPr/>
                 </a:tc>
+                <a:tc>
+                  <a:txBody>
+                    <a:bodyPr/>
+                    <a:lstStyle/>
+                    <a:p>
+                      <a:r>
+                        <a:rPr lang="en-US" dirty="0" smtClean="0"/>
+                        <a:t>0,29</a:t>
+                      </a:r>
+                    </a:p>
+                  </a:txBody>
+                  <a:tcPr/>
+                </a:tc>
                 <a:extLst>
                   <a:ext uri="{0D108BD9-81ED-4DB2-BD59-A6C34878D82A}">
                     <a16:rowId xmlns:a16="http://schemas.microsoft.com/office/drawing/2014/main" val="10003"/>
@@ -3769,6 +3827,22 @@
                   </a:txBody>
                   <a:tcPr/>
                 </a:tc>
+                <a:tc>
+                  <a:txBody>
+                    <a:bodyPr/>
+                    <a:lstStyle/>
+                    <a:p>
+                      <a:r>
+                        <a:rPr lang="en-US" dirty="0" smtClean="0"/>
+                        <a:t>0,27</a:t>
+                      </a:r>
+                    </a:p>
+                    <a:p>
+                      <a:endParaRPr lang="en-US" dirty="0"/>
+                    </a:p>
+                  </a:txBody>
+                  <a:tcPr/>
+                </a:tc>
                 <a:extLst>
                   <a:ext uri="{0D108BD9-81ED-4DB2-BD59-A6C34878D82A}">
                     <a16:rowId xmlns:a16="http://schemas.microsoft.com/office/drawing/2014/main" val="10004"/>
@@ -3889,6 +3963,22 @@
                         <a:rPr lang="en-US" dirty="0" smtClean="0"/>
                         <a:t>FAR: 0.28235</a:t>
                       </a:r>
+                      <a:endParaRPr lang="en-US" dirty="0"/>
+                    </a:p>
+                  </a:txBody>
+                  <a:tcPr/>
+                </a:tc>
+                <a:tc>
+                  <a:txBody>
+                    <a:bodyPr/>
+                    <a:lstStyle/>
+                    <a:p>
+                      <a:r>
+                        <a:rPr lang="en-US" dirty="0" smtClean="0"/>
+                        <a:t>0,26</a:t>
+                      </a:r>
+                    </a:p>
+                    <a:p>
                       <a:endParaRPr lang="en-US" dirty="0"/>
                     </a:p>
                   </a:txBody>
@@ -4033,6 +4123,19 @@
                   </a:txBody>
                   <a:tcPr/>
                 </a:tc>
+                <a:tc>
+                  <a:txBody>
+                    <a:bodyPr/>
+                    <a:lstStyle/>
+                    <a:p>
+                      <a:r>
+                        <a:rPr lang="en-US" dirty="0" smtClean="0"/>
+                        <a:t>0,28</a:t>
+                      </a:r>
+                    </a:p>
+                  </a:txBody>
+                  <a:tcPr/>
+                </a:tc>
                 <a:extLst>
                   <a:ext uri="{0D108BD9-81ED-4DB2-BD59-A6C34878D82A}">
                     <a16:rowId xmlns:a16="http://schemas.microsoft.com/office/drawing/2014/main" val="10006"/>
@@ -4158,6 +4261,20 @@
                       <a:r>
                         <a:rPr lang="en-US" dirty="0" smtClean="0"/>
                         <a:t>FAR: 0.27041</a:t>
+                      </a:r>
+                      <a:endParaRPr lang="en-US" dirty="0"/>
+                    </a:p>
+                  </a:txBody>
+                  <a:tcPr/>
+                </a:tc>
+                <a:tc>
+                  <a:txBody>
+                    <a:bodyPr/>
+                    <a:lstStyle/>
+                    <a:p>
+                      <a:r>
+                        <a:rPr lang="en-US" dirty="0" smtClean="0"/>
+                        <a:t>0,27</a:t>
                       </a:r>
                       <a:endParaRPr lang="en-US" dirty="0"/>
                     </a:p>
